--- a/Business Analytics Group Project.pptx
+++ b/Business Analytics Group Project.pptx
@@ -254,6 +254,11 @@
       </a:defRPr>
     </a:lvl9pPr>
   </p:defaultTextStyle>
+  <p:extLst>
+    <p:ext uri="{EFAFB233-063F-42B5-8137-9DF3F51BA10A}">
+      <p15:sldGuideLst xmlns:p15="http://schemas.microsoft.com/office/powerpoint/2012/main"/>
+    </p:ext>
+  </p:extLst>
 </p:presentation>
 </file>
 
@@ -763,8 +768,8 @@
         </p:nvSpPr>
         <p:spPr>
           <a:xfrm>
-            <a:off x="1143225" y="685800"/>
-            <a:ext cx="4572225" cy="3429000"/>
+            <a:off x="381000" y="685800"/>
+            <a:ext cx="6096000" cy="3429000"/>
           </a:xfrm>
           <a:custGeom>
             <a:avLst/>
@@ -16216,7 +16221,7 @@
               <a:buNone/>
             </a:pPr>
             <a:r>
-              <a:rPr lang="en-US" sz="2400" b="1" i="0" u="none" strike="noStrike" cap="none">
+              <a:rPr lang="en-US" sz="2400" b="1" i="0" u="none" strike="noStrike" cap="none" dirty="0">
                 <a:solidFill>
                   <a:schemeClr val="dk1"/>
                 </a:solidFill>
@@ -16228,11 +16233,11 @@
               <a:t>Instruct</a:t>
             </a:r>
             <a:r>
-              <a:rPr lang="en-US" b="1"/>
+              <a:rPr lang="en-US" b="1" dirty="0"/>
               <a:t>o</a:t>
             </a:r>
             <a:r>
-              <a:rPr lang="en-US" sz="2400" b="1" i="0" u="none" strike="noStrike" cap="none">
+              <a:rPr lang="en-US" sz="2400" b="1" i="0" u="none" strike="noStrike" cap="none" dirty="0">
                 <a:solidFill>
                   <a:schemeClr val="dk1"/>
                 </a:solidFill>
@@ -16244,7 +16249,7 @@
               <a:t>r</a:t>
             </a:r>
             <a:r>
-              <a:rPr lang="en-US" sz="2400" b="0" i="0" u="none" strike="noStrike" cap="none">
+              <a:rPr lang="en-US" sz="2400" b="0" i="0" u="none" strike="noStrike" cap="none" dirty="0">
                 <a:solidFill>
                   <a:schemeClr val="dk1"/>
                 </a:solidFill>
@@ -16253,9 +16258,45 @@
                 <a:cs typeface="Calibri"/>
                 <a:sym typeface="Calibri"/>
               </a:rPr>
-              <a:t>: Hrant Davtyan</a:t>
+              <a:t>: </a:t>
             </a:r>
-            <a:endParaRPr sz="2400" b="0" i="0" u="none" strike="noStrike" cap="none">
+            <a:r>
+              <a:rPr lang="en-US" sz="2400" b="0" i="0" u="none" strike="noStrike" cap="none" dirty="0" err="1">
+                <a:solidFill>
+                  <a:schemeClr val="dk1"/>
+                </a:solidFill>
+                <a:latin typeface="Calibri"/>
+                <a:ea typeface="Calibri"/>
+                <a:cs typeface="Calibri"/>
+                <a:sym typeface="Calibri"/>
+              </a:rPr>
+              <a:t>Hrant</a:t>
+            </a:r>
+            <a:r>
+              <a:rPr lang="en-US" sz="2400" b="0" i="0" u="none" strike="noStrike" cap="none" dirty="0">
+                <a:solidFill>
+                  <a:schemeClr val="dk1"/>
+                </a:solidFill>
+                <a:latin typeface="Calibri"/>
+                <a:ea typeface="Calibri"/>
+                <a:cs typeface="Calibri"/>
+                <a:sym typeface="Calibri"/>
+              </a:rPr>
+              <a:t> </a:t>
+            </a:r>
+            <a:r>
+              <a:rPr lang="en-US" sz="2400" b="0" i="0" u="none" strike="noStrike" cap="none" dirty="0" err="1">
+                <a:solidFill>
+                  <a:schemeClr val="dk1"/>
+                </a:solidFill>
+                <a:latin typeface="Calibri"/>
+                <a:ea typeface="Calibri"/>
+                <a:cs typeface="Calibri"/>
+                <a:sym typeface="Calibri"/>
+              </a:rPr>
+              <a:t>Davtyan</a:t>
+            </a:r>
+            <a:endParaRPr sz="2400" b="0" i="0" u="none" strike="noStrike" cap="none" dirty="0">
               <a:solidFill>
                 <a:schemeClr val="dk1"/>
               </a:solidFill>
@@ -16284,7 +16325,7 @@
               <a:buNone/>
             </a:pPr>
             <a:r>
-              <a:rPr lang="en-US" sz="2400" b="1" i="0" u="none" strike="noStrike" cap="none">
+              <a:rPr lang="en-US" sz="2400" b="1" i="0" u="none" strike="noStrike" cap="none" smtClean="0">
                 <a:solidFill>
                   <a:schemeClr val="dk1"/>
                 </a:solidFill>
@@ -16293,10 +16334,10 @@
                 <a:cs typeface="Calibri"/>
                 <a:sym typeface="Calibri"/>
               </a:rPr>
-              <a:t>Team Players</a:t>
+              <a:t>Student</a:t>
             </a:r>
             <a:r>
-              <a:rPr lang="en-US" sz="2400" b="0" i="0" u="none" strike="noStrike" cap="none">
+              <a:rPr lang="en-US" sz="2400" b="0" i="0" u="none" strike="noStrike" cap="none" smtClean="0">
                 <a:solidFill>
                   <a:schemeClr val="dk1"/>
                 </a:solidFill>
@@ -16305,9 +16346,33 @@
                 <a:cs typeface="Calibri"/>
                 <a:sym typeface="Calibri"/>
               </a:rPr>
-              <a:t>: Henrik Sergoyan, Nare Krmoyan Gevorg Ekhtoyan</a:t>
+              <a:t>: </a:t>
             </a:r>
-            <a:endParaRPr sz="2400" b="0" i="0" u="none" strike="noStrike" cap="none">
+            <a:r>
+              <a:rPr lang="en-US" sz="2400" b="0" i="0" u="none" strike="noStrike" cap="none" dirty="0">
+                <a:solidFill>
+                  <a:schemeClr val="dk1"/>
+                </a:solidFill>
+                <a:latin typeface="Calibri"/>
+                <a:ea typeface="Calibri"/>
+                <a:cs typeface="Calibri"/>
+                <a:sym typeface="Calibri"/>
+              </a:rPr>
+              <a:t>Henrik </a:t>
+            </a:r>
+            <a:r>
+              <a:rPr lang="en-US" sz="2400" b="0" i="0" u="none" strike="noStrike" cap="none" dirty="0" err="1" smtClean="0">
+                <a:solidFill>
+                  <a:schemeClr val="dk1"/>
+                </a:solidFill>
+                <a:latin typeface="Calibri"/>
+                <a:ea typeface="Calibri"/>
+                <a:cs typeface="Calibri"/>
+                <a:sym typeface="Calibri"/>
+              </a:rPr>
+              <a:t>Sergoyan</a:t>
+            </a:r>
+            <a:endParaRPr sz="2400" b="0" i="0" u="none" strike="noStrike" cap="none" dirty="0">
               <a:solidFill>
                 <a:schemeClr val="dk1"/>
               </a:solidFill>
